--- a/Hari IyerMarch 2019 Cohort Term1 Project World Peace Cricket League.pptx
+++ b/Hari IyerMarch 2019 Cohort Term1 Project World Peace Cricket League.pptx
@@ -464,7 +464,7 @@
           <a:p>
             <a:fld id="{FC2D1252-5F35-40A4-9264-09DBF0C72375}" type="datetimeFigureOut">
               <a:rPr lang="en-US" smtClean="0"/>
-              <a:t>28-Apr-19</a:t>
+              <a:t>29-Apr-19</a:t>
             </a:fld>
             <a:endParaRPr lang="en-US"/>
           </a:p>
@@ -706,7 +706,7 @@
           <a:p>
             <a:fld id="{FC2D1252-5F35-40A4-9264-09DBF0C72375}" type="datetimeFigureOut">
               <a:rPr lang="en-US" smtClean="0"/>
-              <a:t>28-Apr-19</a:t>
+              <a:t>29-Apr-19</a:t>
             </a:fld>
             <a:endParaRPr lang="en-US"/>
           </a:p>
@@ -890,7 +890,7 @@
           <a:p>
             <a:fld id="{FC2D1252-5F35-40A4-9264-09DBF0C72375}" type="datetimeFigureOut">
               <a:rPr lang="en-US" smtClean="0"/>
-              <a:t>28-Apr-19</a:t>
+              <a:t>29-Apr-19</a:t>
             </a:fld>
             <a:endParaRPr lang="en-US"/>
           </a:p>
@@ -1459,7 +1459,7 @@
           <a:p>
             <a:fld id="{FC2D1252-5F35-40A4-9264-09DBF0C72375}" type="datetimeFigureOut">
               <a:rPr lang="en-US" smtClean="0"/>
-              <a:t>28-Apr-19</a:t>
+              <a:t>29-Apr-19</a:t>
             </a:fld>
             <a:endParaRPr lang="en-US"/>
           </a:p>
@@ -1738,7 +1738,7 @@
           <a:p>
             <a:fld id="{FC2D1252-5F35-40A4-9264-09DBF0C72375}" type="datetimeFigureOut">
               <a:rPr lang="en-US" smtClean="0"/>
-              <a:t>28-Apr-19</a:t>
+              <a:t>29-Apr-19</a:t>
             </a:fld>
             <a:endParaRPr lang="en-US"/>
           </a:p>
@@ -2006,7 +2006,7 @@
           <a:p>
             <a:fld id="{FC2D1252-5F35-40A4-9264-09DBF0C72375}" type="datetimeFigureOut">
               <a:rPr lang="en-US" smtClean="0"/>
-              <a:t>28-Apr-19</a:t>
+              <a:t>29-Apr-19</a:t>
             </a:fld>
             <a:endParaRPr lang="en-US"/>
           </a:p>
@@ -2453,7 +2453,7 @@
           <a:p>
             <a:fld id="{FC2D1252-5F35-40A4-9264-09DBF0C72375}" type="datetimeFigureOut">
               <a:rPr lang="en-US" smtClean="0"/>
-              <a:t>28-Apr-19</a:t>
+              <a:t>29-Apr-19</a:t>
             </a:fld>
             <a:endParaRPr lang="en-US"/>
           </a:p>
@@ -2602,7 +2602,7 @@
           <a:p>
             <a:fld id="{FC2D1252-5F35-40A4-9264-09DBF0C72375}" type="datetimeFigureOut">
               <a:rPr lang="en-US" smtClean="0"/>
-              <a:t>28-Apr-19</a:t>
+              <a:t>29-Apr-19</a:t>
             </a:fld>
             <a:endParaRPr lang="en-US"/>
           </a:p>
@@ -2697,7 +2697,7 @@
           <a:p>
             <a:fld id="{FC2D1252-5F35-40A4-9264-09DBF0C72375}" type="datetimeFigureOut">
               <a:rPr lang="en-US" smtClean="0"/>
-              <a:t>28-Apr-19</a:t>
+              <a:t>29-Apr-19</a:t>
             </a:fld>
             <a:endParaRPr lang="en-US"/>
           </a:p>
@@ -2950,7 +2950,7 @@
           <a:p>
             <a:fld id="{FC2D1252-5F35-40A4-9264-09DBF0C72375}" type="datetimeFigureOut">
               <a:rPr lang="en-US" smtClean="0"/>
-              <a:t>28-Apr-19</a:t>
+              <a:t>29-Apr-19</a:t>
             </a:fld>
             <a:endParaRPr lang="en-US"/>
           </a:p>
@@ -3395,7 +3395,7 @@
           <a:p>
             <a:fld id="{FC2D1252-5F35-40A4-9264-09DBF0C72375}" type="datetimeFigureOut">
               <a:rPr lang="en-US" smtClean="0"/>
-              <a:t>28-Apr-19</a:t>
+              <a:t>29-Apr-19</a:t>
             </a:fld>
             <a:endParaRPr lang="en-US"/>
           </a:p>
@@ -3758,7 +3758,7 @@
           <a:p>
             <a:fld id="{FC2D1252-5F35-40A4-9264-09DBF0C72375}" type="datetimeFigureOut">
               <a:rPr lang="en-US" smtClean="0"/>
-              <a:t>28-Apr-19</a:t>
+              <a:t>29-Apr-19</a:t>
             </a:fld>
             <a:endParaRPr lang="en-US"/>
           </a:p>
@@ -4763,7 +4763,7 @@
           </a:ln>
           <a:extLst>
             <a:ext uri="{C572A759-6A51-4108-AA02-DFA0A04FC94B}">
-              <ma14:wrappingTextBoxFlag xmlns="" xmlns:ma14="http://schemas.microsoft.com/office/mac/drawingml/2011/main" val="1"/>
+              <ma14:wrappingTextBoxFlag xmlns:ma14="http://schemas.microsoft.com/office/mac/drawingml/2011/main" xmlns="" val="1"/>
             </a:ext>
           </a:extLst>
         </p:spPr>
@@ -6716,7 +6716,7 @@
             </a:pPr>
             <a:r>
               <a:rPr lang="en-US" dirty="0"/>
-              <a:t> For this world cup , I want to select the 14 membered squad of  team IPL consisting of the best multinational players from each IPL teams who played IPL matches from 2007 till 2018.</a:t>
+              <a:t> For this world cup , I want to select the 15 membered squad of  team IPL consisting of the best multinational players from each IPL teams who played IPL matches from 2007 till 2018.</a:t>
             </a:r>
             <a:endParaRPr dirty="0"/>
           </a:p>
@@ -7005,7 +7005,7 @@
           </a:ln>
           <a:extLst>
             <a:ext uri="{C572A759-6A51-4108-AA02-DFA0A04FC94B}">
-              <ma14:wrappingTextBoxFlag xmlns="" xmlns:ma14="http://schemas.microsoft.com/office/mac/drawingml/2011/main" val="1"/>
+              <ma14:wrappingTextBoxFlag xmlns:ma14="http://schemas.microsoft.com/office/mac/drawingml/2011/main" xmlns="" val="1"/>
             </a:ext>
           </a:extLst>
         </p:spPr>
@@ -7151,7 +7151,7 @@
           </a:ln>
           <a:extLst>
             <a:ext uri="{C572A759-6A51-4108-AA02-DFA0A04FC94B}">
-              <ma14:wrappingTextBoxFlag xmlns="" xmlns:ma14="http://schemas.microsoft.com/office/mac/drawingml/2011/main" val="1"/>
+              <ma14:wrappingTextBoxFlag xmlns:ma14="http://schemas.microsoft.com/office/mac/drawingml/2011/main" xmlns="" val="1"/>
             </a:ext>
           </a:extLst>
         </p:spPr>
@@ -7302,7 +7302,7 @@
           </a:ln>
           <a:extLst>
             <a:ext uri="{C572A759-6A51-4108-AA02-DFA0A04FC94B}">
-              <ma14:wrappingTextBoxFlag xmlns="" xmlns:ma14="http://schemas.microsoft.com/office/mac/drawingml/2011/main" val="1"/>
+              <ma14:wrappingTextBoxFlag xmlns:ma14="http://schemas.microsoft.com/office/mac/drawingml/2011/main" xmlns="" val="1"/>
             </a:ext>
           </a:extLst>
         </p:spPr>

--- a/Hari IyerMarch 2019 Cohort Term1 Project World Peace Cricket League.pptx
+++ b/Hari IyerMarch 2019 Cohort Term1 Project World Peace Cricket League.pptx
@@ -5,7 +5,7 @@
     <p:sldMasterId id="2147483674" r:id="rId1"/>
   </p:sldMasterIdLst>
   <p:notesMasterIdLst>
-    <p:notesMasterId r:id="rId14"/>
+    <p:notesMasterId r:id="rId17"/>
   </p:notesMasterIdLst>
   <p:sldIdLst>
     <p:sldId id="256" r:id="rId2"/>
@@ -15,11 +15,14 @@
     <p:sldId id="259" r:id="rId6"/>
     <p:sldId id="260" r:id="rId7"/>
     <p:sldId id="269" r:id="rId8"/>
-    <p:sldId id="291" r:id="rId9"/>
-    <p:sldId id="292" r:id="rId10"/>
-    <p:sldId id="293" r:id="rId11"/>
-    <p:sldId id="290" r:id="rId12"/>
-    <p:sldId id="295" r:id="rId13"/>
+    <p:sldId id="296" r:id="rId9"/>
+    <p:sldId id="291" r:id="rId10"/>
+    <p:sldId id="298" r:id="rId11"/>
+    <p:sldId id="297" r:id="rId12"/>
+    <p:sldId id="292" r:id="rId13"/>
+    <p:sldId id="293" r:id="rId14"/>
+    <p:sldId id="290" r:id="rId15"/>
+    <p:sldId id="295" r:id="rId16"/>
   </p:sldIdLst>
   <p:sldSz cx="13004800" cy="9753600"/>
   <p:notesSz cx="6858000" cy="9144000"/>
@@ -464,7 +467,7 @@
           <a:p>
             <a:fld id="{FC2D1252-5F35-40A4-9264-09DBF0C72375}" type="datetimeFigureOut">
               <a:rPr lang="en-US" smtClean="0"/>
-              <a:t>29-Apr-19</a:t>
+              <a:t>04-May-19</a:t>
             </a:fld>
             <a:endParaRPr lang="en-US"/>
           </a:p>
@@ -706,7 +709,7 @@
           <a:p>
             <a:fld id="{FC2D1252-5F35-40A4-9264-09DBF0C72375}" type="datetimeFigureOut">
               <a:rPr lang="en-US" smtClean="0"/>
-              <a:t>29-Apr-19</a:t>
+              <a:t>04-May-19</a:t>
             </a:fld>
             <a:endParaRPr lang="en-US"/>
           </a:p>
@@ -890,7 +893,7 @@
           <a:p>
             <a:fld id="{FC2D1252-5F35-40A4-9264-09DBF0C72375}" type="datetimeFigureOut">
               <a:rPr lang="en-US" smtClean="0"/>
-              <a:t>29-Apr-19</a:t>
+              <a:t>04-May-19</a:t>
             </a:fld>
             <a:endParaRPr lang="en-US"/>
           </a:p>
@@ -1459,7 +1462,7 @@
           <a:p>
             <a:fld id="{FC2D1252-5F35-40A4-9264-09DBF0C72375}" type="datetimeFigureOut">
               <a:rPr lang="en-US" smtClean="0"/>
-              <a:t>29-Apr-19</a:t>
+              <a:t>04-May-19</a:t>
             </a:fld>
             <a:endParaRPr lang="en-US"/>
           </a:p>
@@ -1738,7 +1741,7 @@
           <a:p>
             <a:fld id="{FC2D1252-5F35-40A4-9264-09DBF0C72375}" type="datetimeFigureOut">
               <a:rPr lang="en-US" smtClean="0"/>
-              <a:t>29-Apr-19</a:t>
+              <a:t>04-May-19</a:t>
             </a:fld>
             <a:endParaRPr lang="en-US"/>
           </a:p>
@@ -2006,7 +2009,7 @@
           <a:p>
             <a:fld id="{FC2D1252-5F35-40A4-9264-09DBF0C72375}" type="datetimeFigureOut">
               <a:rPr lang="en-US" smtClean="0"/>
-              <a:t>29-Apr-19</a:t>
+              <a:t>04-May-19</a:t>
             </a:fld>
             <a:endParaRPr lang="en-US"/>
           </a:p>
@@ -2453,7 +2456,7 @@
           <a:p>
             <a:fld id="{FC2D1252-5F35-40A4-9264-09DBF0C72375}" type="datetimeFigureOut">
               <a:rPr lang="en-US" smtClean="0"/>
-              <a:t>29-Apr-19</a:t>
+              <a:t>04-May-19</a:t>
             </a:fld>
             <a:endParaRPr lang="en-US"/>
           </a:p>
@@ -2602,7 +2605,7 @@
           <a:p>
             <a:fld id="{FC2D1252-5F35-40A4-9264-09DBF0C72375}" type="datetimeFigureOut">
               <a:rPr lang="en-US" smtClean="0"/>
-              <a:t>29-Apr-19</a:t>
+              <a:t>04-May-19</a:t>
             </a:fld>
             <a:endParaRPr lang="en-US"/>
           </a:p>
@@ -2697,7 +2700,7 @@
           <a:p>
             <a:fld id="{FC2D1252-5F35-40A4-9264-09DBF0C72375}" type="datetimeFigureOut">
               <a:rPr lang="en-US" smtClean="0"/>
-              <a:t>29-Apr-19</a:t>
+              <a:t>04-May-19</a:t>
             </a:fld>
             <a:endParaRPr lang="en-US"/>
           </a:p>
@@ -2950,7 +2953,7 @@
           <a:p>
             <a:fld id="{FC2D1252-5F35-40A4-9264-09DBF0C72375}" type="datetimeFigureOut">
               <a:rPr lang="en-US" smtClean="0"/>
-              <a:t>29-Apr-19</a:t>
+              <a:t>04-May-19</a:t>
             </a:fld>
             <a:endParaRPr lang="en-US"/>
           </a:p>
@@ -3395,7 +3398,7 @@
           <a:p>
             <a:fld id="{FC2D1252-5F35-40A4-9264-09DBF0C72375}" type="datetimeFigureOut">
               <a:rPr lang="en-US" smtClean="0"/>
-              <a:t>29-Apr-19</a:t>
+              <a:t>04-May-19</a:t>
             </a:fld>
             <a:endParaRPr lang="en-US"/>
           </a:p>
@@ -3758,7 +3761,7 @@
           <a:p>
             <a:fld id="{FC2D1252-5F35-40A4-9264-09DBF0C72375}" type="datetimeFigureOut">
               <a:rPr lang="en-US" smtClean="0"/>
-              <a:t>29-Apr-19</a:t>
+              <a:t>04-May-19</a:t>
             </a:fld>
             <a:endParaRPr lang="en-US"/>
           </a:p>
@@ -4699,6 +4702,312 @@
       </p:grpSpPr>
       <p:sp>
         <p:nvSpPr>
+          <p:cNvPr id="189" name="Tracked in Google Analytics"/>
+          <p:cNvSpPr txBox="1"/>
+          <p:nvPr/>
+        </p:nvSpPr>
+        <p:spPr>
+          <a:xfrm>
+            <a:off x="3073400" y="311911"/>
+            <a:ext cx="5562600" cy="1025922"/>
+          </a:xfrm>
+          <a:prstGeom prst="rect">
+            <a:avLst/>
+          </a:prstGeom>
+          <a:ln w="12700">
+            <a:miter lim="400000"/>
+          </a:ln>
+          <a:extLst>
+            <a:ext uri="{C572A759-6A51-4108-AA02-DFA0A04FC94B}">
+              <ma14:wrappingTextBoxFlag xmlns:ma14="http://schemas.microsoft.com/office/mac/drawingml/2011/main" xmlns="" val="1"/>
+            </a:ext>
+          </a:extLst>
+        </p:spPr>
+        <p:txBody>
+          <a:bodyPr wrap="square" lIns="50800" tIns="50800" rIns="50800" bIns="50800" anchor="ctr">
+            <a:spAutoFit/>
+          </a:bodyPr>
+          <a:lstStyle>
+            <a:lvl1pPr>
+              <a:defRPr>
+                <a:latin typeface="Arial"/>
+                <a:ea typeface="Arial"/>
+                <a:cs typeface="Arial"/>
+                <a:sym typeface="Arial"/>
+              </a:defRPr>
+            </a:lvl1pPr>
+          </a:lstStyle>
+          <a:p>
+            <a:r>
+              <a:rPr lang="en-US" sz="4400" dirty="0"/>
+              <a:t>         </a:t>
+            </a:r>
+            <a:r>
+              <a:rPr lang="en-US" sz="6000" dirty="0">
+                <a:solidFill>
+                  <a:srgbClr val="002060"/>
+                </a:solidFill>
+              </a:rPr>
+              <a:t>Post Profile </a:t>
+            </a:r>
+            <a:endParaRPr sz="6000" dirty="0">
+              <a:solidFill>
+                <a:srgbClr val="002060"/>
+              </a:solidFill>
+            </a:endParaRPr>
+          </a:p>
+        </p:txBody>
+      </p:sp>
+      <p:sp>
+        <p:nvSpPr>
+          <p:cNvPr id="2" name="Rectangle 1">
+            <a:extLst>
+              <a:ext uri="{FF2B5EF4-FFF2-40B4-BE49-F238E27FC236}">
+                <a16:creationId xmlns:a16="http://schemas.microsoft.com/office/drawing/2014/main" id="{7B98DEEE-103C-4E96-A788-BBCC52B1EEAA}"/>
+              </a:ext>
+            </a:extLst>
+          </p:cNvPr>
+          <p:cNvSpPr/>
+          <p:nvPr/>
+        </p:nvSpPr>
+        <p:spPr>
+          <a:xfrm>
+            <a:off x="4299985" y="1337833"/>
+            <a:ext cx="4032899" cy="369332"/>
+          </a:xfrm>
+          <a:prstGeom prst="rect">
+            <a:avLst/>
+          </a:prstGeom>
+        </p:spPr>
+        <p:txBody>
+          <a:bodyPr wrap="none">
+            <a:spAutoFit/>
+          </a:bodyPr>
+          <a:lstStyle/>
+          <a:p>
+            <a:r>
+              <a:rPr lang="en-US" dirty="0"/>
+              <a:t>deliveries_data_after_preprocessing.html</a:t>
+            </a:r>
+          </a:p>
+        </p:txBody>
+      </p:sp>
+      <p:pic>
+        <p:nvPicPr>
+          <p:cNvPr id="6" name="Picture 5">
+            <a:extLst>
+              <a:ext uri="{FF2B5EF4-FFF2-40B4-BE49-F238E27FC236}">
+                <a16:creationId xmlns:a16="http://schemas.microsoft.com/office/drawing/2014/main" id="{D77925EA-C91F-4000-A8CA-5CBAD0092E14}"/>
+              </a:ext>
+            </a:extLst>
+          </p:cNvPr>
+          <p:cNvPicPr>
+            <a:picLocks noChangeAspect="1"/>
+          </p:cNvPicPr>
+          <p:nvPr/>
+        </p:nvPicPr>
+        <p:blipFill>
+          <a:blip r:embed="rId2"/>
+          <a:stretch>
+            <a:fillRect/>
+          </a:stretch>
+        </p:blipFill>
+        <p:spPr>
+          <a:xfrm>
+            <a:off x="3225800" y="1749560"/>
+            <a:ext cx="6943725" cy="5934075"/>
+          </a:xfrm>
+          <a:prstGeom prst="rect">
+            <a:avLst/>
+          </a:prstGeom>
+        </p:spPr>
+      </p:pic>
+    </p:spTree>
+    <p:extLst>
+      <p:ext uri="{BB962C8B-B14F-4D97-AF65-F5344CB8AC3E}">
+        <p14:creationId xmlns:p14="http://schemas.microsoft.com/office/powerpoint/2010/main" val="1692253951"/>
+      </p:ext>
+    </p:extLst>
+  </p:cSld>
+  <p:clrMapOvr>
+    <a:masterClrMapping/>
+  </p:clrMapOvr>
+  <p:transition spd="med"/>
+</p:sld>
+</file>
+
+<file path=ppt/slides/slide11.xml><?xml version="1.0" encoding="utf-8"?>
+<p:sld xmlns:a="http://schemas.openxmlformats.org/drawingml/2006/main" xmlns:r="http://schemas.openxmlformats.org/officeDocument/2006/relationships" xmlns:p="http://schemas.openxmlformats.org/presentationml/2006/main">
+  <p:cSld>
+    <p:spTree>
+      <p:nvGrpSpPr>
+        <p:cNvPr id="1" name=""/>
+        <p:cNvGrpSpPr/>
+        <p:nvPr/>
+      </p:nvGrpSpPr>
+      <p:grpSpPr>
+        <a:xfrm>
+          <a:off x="0" y="0"/>
+          <a:ext cx="0" cy="0"/>
+          <a:chOff x="0" y="0"/>
+          <a:chExt cx="0" cy="0"/>
+        </a:xfrm>
+      </p:grpSpPr>
+      <p:sp>
+        <p:nvSpPr>
+          <p:cNvPr id="189" name="Tracked in Google Analytics"/>
+          <p:cNvSpPr txBox="1"/>
+          <p:nvPr/>
+        </p:nvSpPr>
+        <p:spPr>
+          <a:xfrm>
+            <a:off x="3073400" y="791290"/>
+            <a:ext cx="5750496" cy="1025922"/>
+          </a:xfrm>
+          <a:prstGeom prst="rect">
+            <a:avLst/>
+          </a:prstGeom>
+          <a:ln w="12700">
+            <a:miter lim="400000"/>
+          </a:ln>
+          <a:extLst>
+            <a:ext uri="{C572A759-6A51-4108-AA02-DFA0A04FC94B}">
+              <ma14:wrappingTextBoxFlag xmlns:ma14="http://schemas.microsoft.com/office/mac/drawingml/2011/main" xmlns="" val="1"/>
+            </a:ext>
+          </a:extLst>
+        </p:spPr>
+        <p:txBody>
+          <a:bodyPr wrap="square" lIns="50800" tIns="50800" rIns="50800" bIns="50800" anchor="ctr">
+            <a:spAutoFit/>
+          </a:bodyPr>
+          <a:lstStyle>
+            <a:lvl1pPr>
+              <a:defRPr>
+                <a:latin typeface="Arial"/>
+                <a:ea typeface="Arial"/>
+                <a:cs typeface="Arial"/>
+                <a:sym typeface="Arial"/>
+              </a:defRPr>
+            </a:lvl1pPr>
+          </a:lstStyle>
+          <a:p>
+            <a:r>
+              <a:rPr lang="en-US" sz="4400" dirty="0"/>
+              <a:t>         </a:t>
+            </a:r>
+            <a:r>
+              <a:rPr lang="en-US" sz="6000" dirty="0">
+                <a:solidFill>
+                  <a:srgbClr val="002060"/>
+                </a:solidFill>
+              </a:rPr>
+              <a:t>Post Profile </a:t>
+            </a:r>
+            <a:endParaRPr sz="6000" dirty="0">
+              <a:solidFill>
+                <a:srgbClr val="002060"/>
+              </a:solidFill>
+            </a:endParaRPr>
+          </a:p>
+        </p:txBody>
+      </p:sp>
+      <p:sp>
+        <p:nvSpPr>
+          <p:cNvPr id="2" name="Rectangle 1">
+            <a:extLst>
+              <a:ext uri="{FF2B5EF4-FFF2-40B4-BE49-F238E27FC236}">
+                <a16:creationId xmlns:a16="http://schemas.microsoft.com/office/drawing/2014/main" id="{7B98DEEE-103C-4E96-A788-BBCC52B1EEAA}"/>
+              </a:ext>
+            </a:extLst>
+          </p:cNvPr>
+          <p:cNvSpPr/>
+          <p:nvPr/>
+        </p:nvSpPr>
+        <p:spPr>
+          <a:xfrm>
+            <a:off x="4216400" y="1817212"/>
+            <a:ext cx="3922099" cy="369332"/>
+          </a:xfrm>
+          <a:prstGeom prst="rect">
+            <a:avLst/>
+          </a:prstGeom>
+        </p:spPr>
+        <p:txBody>
+          <a:bodyPr wrap="none">
+            <a:spAutoFit/>
+          </a:bodyPr>
+          <a:lstStyle/>
+          <a:p>
+            <a:r>
+              <a:rPr lang="en-US" dirty="0"/>
+              <a:t>matches_data_after_preprocessing.html</a:t>
+            </a:r>
+          </a:p>
+        </p:txBody>
+      </p:sp>
+      <p:pic>
+        <p:nvPicPr>
+          <p:cNvPr id="4" name="Picture 3">
+            <a:extLst>
+              <a:ext uri="{FF2B5EF4-FFF2-40B4-BE49-F238E27FC236}">
+                <a16:creationId xmlns:a16="http://schemas.microsoft.com/office/drawing/2014/main" id="{BB912EA4-1596-47D9-A684-CCC343B1C94C}"/>
+              </a:ext>
+            </a:extLst>
+          </p:cNvPr>
+          <p:cNvPicPr>
+            <a:picLocks noChangeAspect="1"/>
+          </p:cNvPicPr>
+          <p:nvPr/>
+        </p:nvPicPr>
+        <p:blipFill>
+          <a:blip r:embed="rId2"/>
+          <a:stretch>
+            <a:fillRect/>
+          </a:stretch>
+        </p:blipFill>
+        <p:spPr>
+          <a:xfrm>
+            <a:off x="3302000" y="2514600"/>
+            <a:ext cx="7332412" cy="4876800"/>
+          </a:xfrm>
+          <a:prstGeom prst="rect">
+            <a:avLst/>
+          </a:prstGeom>
+        </p:spPr>
+      </p:pic>
+    </p:spTree>
+    <p:extLst>
+      <p:ext uri="{BB962C8B-B14F-4D97-AF65-F5344CB8AC3E}">
+        <p14:creationId xmlns:p14="http://schemas.microsoft.com/office/powerpoint/2010/main" val="3677173749"/>
+      </p:ext>
+    </p:extLst>
+  </p:cSld>
+  <p:clrMapOvr>
+    <a:masterClrMapping/>
+  </p:clrMapOvr>
+  <p:transition spd="med"/>
+</p:sld>
+</file>
+
+<file path=ppt/slides/slide12.xml><?xml version="1.0" encoding="utf-8"?>
+<p:sld xmlns:a="http://schemas.openxmlformats.org/drawingml/2006/main" xmlns:r="http://schemas.openxmlformats.org/officeDocument/2006/relationships" xmlns:p="http://schemas.openxmlformats.org/presentationml/2006/main">
+  <p:cSld>
+    <p:spTree>
+      <p:nvGrpSpPr>
+        <p:cNvPr id="1" name=""/>
+        <p:cNvGrpSpPr/>
+        <p:nvPr/>
+      </p:nvGrpSpPr>
+      <p:grpSpPr>
+        <a:xfrm>
+          <a:off x="0" y="0"/>
+          <a:ext cx="0" cy="0"/>
+          <a:chOff x="0" y="0"/>
+          <a:chExt cx="0" cy="0"/>
+        </a:xfrm>
+      </p:grpSpPr>
+      <p:sp>
+        <p:nvSpPr>
           <p:cNvPr id="188" name="Marketing Objective"/>
           <p:cNvSpPr txBox="1">
             <a:spLocks noGrp="1"/>
@@ -4831,7 +5140,158 @@
 </p:sld>
 </file>
 
-<file path=ppt/slides/slide11.xml><?xml version="1.0" encoding="utf-8"?>
+<file path=ppt/slides/slide13.xml><?xml version="1.0" encoding="utf-8"?>
+<p:sld xmlns:a="http://schemas.openxmlformats.org/drawingml/2006/main" xmlns:r="http://schemas.openxmlformats.org/officeDocument/2006/relationships" xmlns:p="http://schemas.openxmlformats.org/presentationml/2006/main">
+  <p:cSld>
+    <p:spTree>
+      <p:nvGrpSpPr>
+        <p:cNvPr id="1" name=""/>
+        <p:cNvGrpSpPr/>
+        <p:nvPr/>
+      </p:nvGrpSpPr>
+      <p:grpSpPr>
+        <a:xfrm>
+          <a:off x="0" y="0"/>
+          <a:ext cx="0" cy="0"/>
+          <a:chOff x="0" y="0"/>
+          <a:chExt cx="0" cy="0"/>
+        </a:xfrm>
+      </p:grpSpPr>
+      <p:sp>
+        <p:nvSpPr>
+          <p:cNvPr id="188" name="Marketing Objective"/>
+          <p:cNvSpPr txBox="1">
+            <a:spLocks noGrp="1"/>
+          </p:cNvSpPr>
+          <p:nvPr>
+            <p:ph type="title"/>
+          </p:nvPr>
+        </p:nvSpPr>
+        <p:spPr>
+          <a:prstGeom prst="rect">
+            <a:avLst/>
+          </a:prstGeom>
+        </p:spPr>
+        <p:txBody>
+          <a:bodyPr/>
+          <a:lstStyle>
+            <a:lvl1pPr>
+              <a:defRPr>
+                <a:solidFill>
+                  <a:schemeClr val="accent6">
+                    <a:hueOff val="36663"/>
+                    <a:satOff val="1899"/>
+                    <a:lumOff val="-23748"/>
+                  </a:schemeClr>
+                </a:solidFill>
+                <a:latin typeface="Arial"/>
+                <a:ea typeface="Arial"/>
+                <a:cs typeface="Arial"/>
+                <a:sym typeface="Arial"/>
+              </a:defRPr>
+            </a:lvl1pPr>
+          </a:lstStyle>
+          <a:p>
+            <a:r>
+              <a:rPr dirty="0"/>
+              <a:t>Objective</a:t>
+            </a:r>
+            <a:r>
+              <a:rPr lang="en-US" dirty="0"/>
+              <a:t>s &amp; Graphs</a:t>
+            </a:r>
+            <a:endParaRPr dirty="0"/>
+          </a:p>
+        </p:txBody>
+      </p:sp>
+      <p:sp>
+        <p:nvSpPr>
+          <p:cNvPr id="189" name="Tracked in Google Analytics"/>
+          <p:cNvSpPr txBox="1"/>
+          <p:nvPr/>
+        </p:nvSpPr>
+        <p:spPr>
+          <a:xfrm>
+            <a:off x="4561904" y="2485148"/>
+            <a:ext cx="3880992" cy="447230"/>
+          </a:xfrm>
+          <a:prstGeom prst="rect">
+            <a:avLst/>
+          </a:prstGeom>
+          <a:ln w="12700">
+            <a:miter lim="400000"/>
+          </a:ln>
+          <a:extLst>
+            <a:ext uri="{C572A759-6A51-4108-AA02-DFA0A04FC94B}">
+              <ma14:wrappingTextBoxFlag xmlns:ma14="http://schemas.microsoft.com/office/mac/drawingml/2011/main" xmlns="" val="1"/>
+            </a:ext>
+          </a:extLst>
+        </p:spPr>
+        <p:txBody>
+          <a:bodyPr wrap="none" lIns="50800" tIns="50800" rIns="50800" bIns="50800" anchor="ctr">
+            <a:spAutoFit/>
+          </a:bodyPr>
+          <a:lstStyle>
+            <a:lvl1pPr>
+              <a:defRPr>
+                <a:latin typeface="Arial"/>
+                <a:ea typeface="Arial"/>
+                <a:cs typeface="Arial"/>
+                <a:sym typeface="Arial"/>
+              </a:defRPr>
+            </a:lvl1pPr>
+          </a:lstStyle>
+          <a:p>
+            <a:r>
+              <a:t>Tracked in Google Analytics</a:t>
+            </a:r>
+          </a:p>
+        </p:txBody>
+      </p:sp>
+      <p:pic>
+        <p:nvPicPr>
+          <p:cNvPr id="190" name="Screen Shot 2017-08-16 at 12.09.39 AM.png" descr="Screen Shot 2017-08-16 at 12.09.39 AM.png"/>
+          <p:cNvPicPr>
+            <a:picLocks noChangeAspect="1"/>
+          </p:cNvPicPr>
+          <p:nvPr/>
+        </p:nvPicPr>
+        <p:blipFill>
+          <a:blip r:embed="rId2">
+            <a:extLst/>
+          </a:blip>
+          <a:stretch>
+            <a:fillRect/>
+          </a:stretch>
+        </p:blipFill>
+        <p:spPr>
+          <a:xfrm>
+            <a:off x="-1" y="3023341"/>
+            <a:ext cx="13004801" cy="6245352"/>
+          </a:xfrm>
+          <a:prstGeom prst="rect">
+            <a:avLst/>
+          </a:prstGeom>
+          <a:ln w="12700">
+            <a:miter lim="400000"/>
+          </a:ln>
+        </p:spPr>
+      </p:pic>
+    </p:spTree>
+    <p:extLst>
+      <p:ext uri="{BB962C8B-B14F-4D97-AF65-F5344CB8AC3E}">
+        <p14:creationId xmlns:p14="http://schemas.microsoft.com/office/powerpoint/2010/main" val="2849377936"/>
+      </p:ext>
+    </p:extLst>
+  </p:cSld>
+  <p:clrMapOvr>
+    <a:masterClrMapping/>
+  </p:clrMapOvr>
+  <p:transition spd="med"/>
+</p:sld>
+</file>
+
+<file path=ppt/slides/slide14.xml><?xml version="1.0" encoding="utf-8"?>
 <p:sld xmlns:a="http://schemas.openxmlformats.org/drawingml/2006/main" xmlns:r="http://schemas.openxmlformats.org/officeDocument/2006/relationships" xmlns:p="http://schemas.openxmlformats.org/presentationml/2006/main">
   <p:cSld>
     <p:spTree>
@@ -6002,7 +6462,7 @@
 </p:sld>
 </file>
 
-<file path=ppt/slides/slide12.xml><?xml version="1.0" encoding="utf-8"?>
+<file path=ppt/slides/slide15.xml><?xml version="1.0" encoding="utf-8"?>
 <p:sld xmlns:a="http://schemas.openxmlformats.org/drawingml/2006/main" xmlns:r="http://schemas.openxmlformats.org/officeDocument/2006/relationships" xmlns:p="http://schemas.openxmlformats.org/presentationml/2006/main">
   <p:cSld>
     <p:spTree>
@@ -6899,6 +7359,19 @@
           <a:bodyPr/>
           <a:lstStyle/>
           <a:p>
+            <a:pPr marL="0" indent="0" defTabSz="479044">
+              <a:spcBef>
+                <a:spcPts val="1900"/>
+              </a:spcBef>
+              <a:buNone/>
+              <a:defRPr sz="2952"/>
+            </a:pPr>
+            <a:r>
+              <a:rPr lang="en-US" dirty="0"/>
+              <a:t>                        What did I do to Achieve the end result?</a:t>
+            </a:r>
+          </a:p>
+          <a:p>
             <a:pPr marL="385318" indent="-385318" defTabSz="479044">
               <a:spcBef>
                 <a:spcPts val="1900"/>
@@ -6907,8 +7380,68 @@
             </a:pPr>
             <a:r>
               <a:rPr lang="en-US" dirty="0"/>
-              <a:t>What did you do?</a:t>
-            </a:r>
+              <a:t>I made use of Domain Knowledge where ever applicable.</a:t>
+            </a:r>
+          </a:p>
+          <a:p>
+            <a:pPr marL="385318" indent="-385318" defTabSz="479044">
+              <a:spcBef>
+                <a:spcPts val="1900"/>
+              </a:spcBef>
+              <a:defRPr sz="2952"/>
+            </a:pPr>
+            <a:r>
+              <a:rPr lang="en-US" dirty="0"/>
+              <a:t>Used Pre profiling to deeply understand each column</a:t>
+            </a:r>
+          </a:p>
+          <a:p>
+            <a:pPr marL="385318" indent="-385318" defTabSz="479044">
+              <a:spcBef>
+                <a:spcPts val="1900"/>
+              </a:spcBef>
+              <a:defRPr sz="2952"/>
+            </a:pPr>
+            <a:r>
+              <a:rPr lang="en-US" dirty="0"/>
+              <a:t>Dropped duplicate rows in </a:t>
+            </a:r>
+            <a:r>
+              <a:rPr lang="en-US" dirty="0" err="1"/>
+              <a:t>deliveries_data</a:t>
+            </a:r>
+            <a:r>
+              <a:rPr lang="en-US" dirty="0"/>
+              <a:t> and ‘umpire3’ column of </a:t>
+            </a:r>
+            <a:r>
+              <a:rPr lang="en-US" dirty="0" err="1"/>
+              <a:t>matches_data</a:t>
+            </a:r>
+            <a:r>
+              <a:rPr lang="en-US" dirty="0"/>
+              <a:t> due to 91.4% missing values</a:t>
+            </a:r>
+          </a:p>
+          <a:p>
+            <a:pPr marL="385318" indent="-385318" defTabSz="479044">
+              <a:spcBef>
+                <a:spcPts val="1900"/>
+              </a:spcBef>
+              <a:defRPr sz="2952"/>
+            </a:pPr>
+            <a:r>
+              <a:rPr lang="en-US" dirty="0"/>
+              <a:t>Post profiled processed data</a:t>
+            </a:r>
+          </a:p>
+          <a:p>
+            <a:pPr marL="385318" indent="-385318" defTabSz="479044">
+              <a:spcBef>
+                <a:spcPts val="1900"/>
+              </a:spcBef>
+              <a:defRPr sz="2952"/>
+            </a:pPr>
             <a:endParaRPr dirty="0"/>
           </a:p>
         </p:txBody>
@@ -6941,61 +7474,14 @@
       </p:grpSpPr>
       <p:sp>
         <p:nvSpPr>
-          <p:cNvPr id="188" name="Marketing Objective"/>
-          <p:cNvSpPr txBox="1">
-            <a:spLocks noGrp="1"/>
-          </p:cNvSpPr>
-          <p:nvPr>
-            <p:ph type="title"/>
-          </p:nvPr>
-        </p:nvSpPr>
-        <p:spPr>
-          <a:prstGeom prst="rect">
-            <a:avLst/>
-          </a:prstGeom>
-        </p:spPr>
-        <p:txBody>
-          <a:bodyPr/>
-          <a:lstStyle>
-            <a:lvl1pPr>
-              <a:defRPr>
-                <a:solidFill>
-                  <a:schemeClr val="accent6">
-                    <a:hueOff val="36663"/>
-                    <a:satOff val="1899"/>
-                    <a:lumOff val="-23748"/>
-                  </a:schemeClr>
-                </a:solidFill>
-                <a:latin typeface="Arial"/>
-                <a:ea typeface="Arial"/>
-                <a:cs typeface="Arial"/>
-                <a:sym typeface="Arial"/>
-              </a:defRPr>
-            </a:lvl1pPr>
-          </a:lstStyle>
-          <a:p>
-            <a:r>
-              <a:rPr dirty="0"/>
-              <a:t>Objective</a:t>
-            </a:r>
-            <a:r>
-              <a:rPr lang="en-US" dirty="0"/>
-              <a:t>s &amp; Graphs</a:t>
-            </a:r>
-            <a:endParaRPr dirty="0"/>
-          </a:p>
-        </p:txBody>
-      </p:sp>
-      <p:sp>
-        <p:nvSpPr>
           <p:cNvPr id="189" name="Tracked in Google Analytics"/>
           <p:cNvSpPr txBox="1"/>
           <p:nvPr/>
         </p:nvSpPr>
         <p:spPr>
           <a:xfrm>
-            <a:off x="4561904" y="2485148"/>
-            <a:ext cx="3880992" cy="447230"/>
+            <a:off x="3073400" y="791290"/>
+            <a:ext cx="5750496" cy="1025922"/>
           </a:xfrm>
           <a:prstGeom prst="rect">
             <a:avLst/>
@@ -7010,7 +7496,7 @@
           </a:extLst>
         </p:spPr>
         <p:txBody>
-          <a:bodyPr wrap="none" lIns="50800" tIns="50800" rIns="50800" bIns="50800" anchor="ctr">
+          <a:bodyPr wrap="square" lIns="50800" tIns="50800" rIns="50800" bIns="50800" anchor="ctr">
             <a:spAutoFit/>
           </a:bodyPr>
           <a:lstStyle>
@@ -7025,40 +7511,123 @@
           </a:lstStyle>
           <a:p>
             <a:r>
-              <a:t>Tracked in Google Analytics</a:t>
+              <a:rPr lang="en-US" sz="4400" dirty="0"/>
+              <a:t>         </a:t>
+            </a:r>
+            <a:r>
+              <a:rPr lang="en-US" sz="6000" dirty="0">
+                <a:solidFill>
+                  <a:srgbClr val="002060"/>
+                </a:solidFill>
+              </a:rPr>
+              <a:t>Pre Profile </a:t>
+            </a:r>
+            <a:endParaRPr sz="6000" dirty="0">
+              <a:solidFill>
+                <a:srgbClr val="002060"/>
+              </a:solidFill>
+            </a:endParaRPr>
+          </a:p>
+        </p:txBody>
+      </p:sp>
+      <p:sp>
+        <p:nvSpPr>
+          <p:cNvPr id="2" name="Rectangle 1">
+            <a:extLst>
+              <a:ext uri="{FF2B5EF4-FFF2-40B4-BE49-F238E27FC236}">
+                <a16:creationId xmlns:a16="http://schemas.microsoft.com/office/drawing/2014/main" id="{7B98DEEE-103C-4E96-A788-BBCC52B1EEAA}"/>
+              </a:ext>
+            </a:extLst>
+          </p:cNvPr>
+          <p:cNvSpPr/>
+          <p:nvPr/>
+        </p:nvSpPr>
+        <p:spPr>
+          <a:xfrm>
+            <a:off x="4216400" y="1817212"/>
+            <a:ext cx="4093172" cy="369332"/>
+          </a:xfrm>
+          <a:prstGeom prst="rect">
+            <a:avLst/>
+          </a:prstGeom>
+        </p:spPr>
+        <p:txBody>
+          <a:bodyPr wrap="none">
+            <a:spAutoFit/>
+          </a:bodyPr>
+          <a:lstStyle/>
+          <a:p>
+            <a:r>
+              <a:rPr lang="en-US" dirty="0"/>
+              <a:t>matches_data_before_preprocessing.html</a:t>
             </a:r>
           </a:p>
         </p:txBody>
       </p:sp>
       <p:pic>
         <p:nvPicPr>
-          <p:cNvPr id="190" name="Screen Shot 2017-08-16 at 12.09.39 AM.png" descr="Screen Shot 2017-08-16 at 12.09.39 AM.png"/>
+          <p:cNvPr id="6" name="Picture 5">
+            <a:extLst>
+              <a:ext uri="{FF2B5EF4-FFF2-40B4-BE49-F238E27FC236}">
+                <a16:creationId xmlns:a16="http://schemas.microsoft.com/office/drawing/2014/main" id="{D1756305-7B48-4262-A887-E7DCFA9F42E4}"/>
+              </a:ext>
+            </a:extLst>
+          </p:cNvPr>
           <p:cNvPicPr>
             <a:picLocks noChangeAspect="1"/>
           </p:cNvPicPr>
           <p:nvPr/>
         </p:nvPicPr>
         <p:blipFill>
-          <a:blip r:embed="rId2">
-            <a:extLst/>
-          </a:blip>
+          <a:blip r:embed="rId2"/>
           <a:stretch>
             <a:fillRect/>
           </a:stretch>
         </p:blipFill>
         <p:spPr>
           <a:xfrm>
-            <a:off x="-1" y="3023341"/>
-            <a:ext cx="13004801" cy="6245352"/>
+            <a:off x="2540000" y="2338944"/>
+            <a:ext cx="8829675" cy="5382473"/>
           </a:xfrm>
           <a:prstGeom prst="rect">
             <a:avLst/>
           </a:prstGeom>
-          <a:ln w="12700">
-            <a:miter lim="400000"/>
-          </a:ln>
         </p:spPr>
       </p:pic>
+      <p:sp>
+        <p:nvSpPr>
+          <p:cNvPr id="10" name="Rectangle 9">
+            <a:extLst>
+              <a:ext uri="{FF2B5EF4-FFF2-40B4-BE49-F238E27FC236}">
+                <a16:creationId xmlns:a16="http://schemas.microsoft.com/office/drawing/2014/main" id="{E7788558-B0E7-40EE-9712-59DB485BD308}"/>
+              </a:ext>
+            </a:extLst>
+          </p:cNvPr>
+          <p:cNvSpPr/>
+          <p:nvPr/>
+        </p:nvSpPr>
+        <p:spPr>
+          <a:xfrm>
+            <a:off x="1320800" y="7873817"/>
+            <a:ext cx="3607270" cy="369332"/>
+          </a:xfrm>
+          <a:prstGeom prst="rect">
+            <a:avLst/>
+          </a:prstGeom>
+        </p:spPr>
+        <p:txBody>
+          <a:bodyPr wrap="none">
+            <a:spAutoFit/>
+          </a:bodyPr>
+          <a:lstStyle/>
+          <a:p>
+            <a:r>
+              <a:rPr lang="en-US" dirty="0"/>
+              <a:t>** Umpire3 has 91.4% missing values</a:t>
+            </a:r>
+          </a:p>
+        </p:txBody>
+      </p:sp>
     </p:spTree>
   </p:cSld>
   <p:clrMapOvr>
@@ -7087,61 +7656,14 @@
       </p:grpSpPr>
       <p:sp>
         <p:nvSpPr>
-          <p:cNvPr id="188" name="Marketing Objective"/>
-          <p:cNvSpPr txBox="1">
-            <a:spLocks noGrp="1"/>
-          </p:cNvSpPr>
-          <p:nvPr>
-            <p:ph type="title"/>
-          </p:nvPr>
-        </p:nvSpPr>
-        <p:spPr>
-          <a:prstGeom prst="rect">
-            <a:avLst/>
-          </a:prstGeom>
-        </p:spPr>
-        <p:txBody>
-          <a:bodyPr/>
-          <a:lstStyle>
-            <a:lvl1pPr>
-              <a:defRPr>
-                <a:solidFill>
-                  <a:schemeClr val="accent6">
-                    <a:hueOff val="36663"/>
-                    <a:satOff val="1899"/>
-                    <a:lumOff val="-23748"/>
-                  </a:schemeClr>
-                </a:solidFill>
-                <a:latin typeface="Arial"/>
-                <a:ea typeface="Arial"/>
-                <a:cs typeface="Arial"/>
-                <a:sym typeface="Arial"/>
-              </a:defRPr>
-            </a:lvl1pPr>
-          </a:lstStyle>
-          <a:p>
-            <a:r>
-              <a:rPr dirty="0"/>
-              <a:t>Objective</a:t>
-            </a:r>
-            <a:r>
-              <a:rPr lang="en-US" dirty="0"/>
-              <a:t>s &amp; Graphs</a:t>
-            </a:r>
-            <a:endParaRPr dirty="0"/>
-          </a:p>
-        </p:txBody>
-      </p:sp>
-      <p:sp>
-        <p:nvSpPr>
           <p:cNvPr id="189" name="Tracked in Google Analytics"/>
           <p:cNvSpPr txBox="1"/>
           <p:nvPr/>
         </p:nvSpPr>
         <p:spPr>
           <a:xfrm>
-            <a:off x="4561904" y="2485148"/>
-            <a:ext cx="3880992" cy="447230"/>
+            <a:off x="3073400" y="311911"/>
+            <a:ext cx="5562600" cy="1025922"/>
           </a:xfrm>
           <a:prstGeom prst="rect">
             <a:avLst/>
@@ -7156,7 +7678,7 @@
           </a:extLst>
         </p:spPr>
         <p:txBody>
-          <a:bodyPr wrap="none" lIns="50800" tIns="50800" rIns="50800" bIns="50800" anchor="ctr">
+          <a:bodyPr wrap="square" lIns="50800" tIns="50800" rIns="50800" bIns="50800" anchor="ctr">
             <a:spAutoFit/>
           </a:bodyPr>
           <a:lstStyle>
@@ -7171,44 +7693,135 @@
           </a:lstStyle>
           <a:p>
             <a:r>
-              <a:t>Tracked in Google Analytics</a:t>
+              <a:rPr lang="en-US" sz="4400" dirty="0"/>
+              <a:t>         </a:t>
+            </a:r>
+            <a:r>
+              <a:rPr lang="en-US" sz="6000" dirty="0">
+                <a:solidFill>
+                  <a:srgbClr val="002060"/>
+                </a:solidFill>
+              </a:rPr>
+              <a:t>Pre Profile </a:t>
+            </a:r>
+            <a:endParaRPr sz="6000" dirty="0">
+              <a:solidFill>
+                <a:srgbClr val="002060"/>
+              </a:solidFill>
+            </a:endParaRPr>
+          </a:p>
+        </p:txBody>
+      </p:sp>
+      <p:sp>
+        <p:nvSpPr>
+          <p:cNvPr id="2" name="Rectangle 1">
+            <a:extLst>
+              <a:ext uri="{FF2B5EF4-FFF2-40B4-BE49-F238E27FC236}">
+                <a16:creationId xmlns:a16="http://schemas.microsoft.com/office/drawing/2014/main" id="{7B98DEEE-103C-4E96-A788-BBCC52B1EEAA}"/>
+              </a:ext>
+            </a:extLst>
+          </p:cNvPr>
+          <p:cNvSpPr/>
+          <p:nvPr/>
+        </p:nvSpPr>
+        <p:spPr>
+          <a:xfrm>
+            <a:off x="4299985" y="1337833"/>
+            <a:ext cx="4203971" cy="369332"/>
+          </a:xfrm>
+          <a:prstGeom prst="rect">
+            <a:avLst/>
+          </a:prstGeom>
+        </p:spPr>
+        <p:txBody>
+          <a:bodyPr wrap="none">
+            <a:spAutoFit/>
+          </a:bodyPr>
+          <a:lstStyle/>
+          <a:p>
+            <a:r>
+              <a:rPr lang="en-US" dirty="0"/>
+              <a:t>deliveries_data_before_preprocessing.html</a:t>
             </a:r>
           </a:p>
         </p:txBody>
       </p:sp>
       <p:pic>
         <p:nvPicPr>
-          <p:cNvPr id="190" name="Screen Shot 2017-08-16 at 12.09.39 AM.png" descr="Screen Shot 2017-08-16 at 12.09.39 AM.png"/>
+          <p:cNvPr id="3" name="Picture 2">
+            <a:extLst>
+              <a:ext uri="{FF2B5EF4-FFF2-40B4-BE49-F238E27FC236}">
+                <a16:creationId xmlns:a16="http://schemas.microsoft.com/office/drawing/2014/main" id="{D48A6F30-DB19-49EA-BE76-56C25295B69D}"/>
+              </a:ext>
+            </a:extLst>
+          </p:cNvPr>
           <p:cNvPicPr>
             <a:picLocks noChangeAspect="1"/>
           </p:cNvPicPr>
           <p:nvPr/>
         </p:nvPicPr>
         <p:blipFill>
-          <a:blip r:embed="rId2">
-            <a:extLst/>
-          </a:blip>
+          <a:blip r:embed="rId2"/>
           <a:stretch>
             <a:fillRect/>
           </a:stretch>
         </p:blipFill>
         <p:spPr>
           <a:xfrm>
-            <a:off x="-1" y="3023341"/>
-            <a:ext cx="13004801" cy="6245352"/>
+            <a:off x="2844800" y="1906146"/>
+            <a:ext cx="7114342" cy="6065076"/>
           </a:xfrm>
           <a:prstGeom prst="rect">
             <a:avLst/>
           </a:prstGeom>
-          <a:ln w="12700">
-            <a:miter lim="400000"/>
-          </a:ln>
         </p:spPr>
       </p:pic>
+      <p:sp>
+        <p:nvSpPr>
+          <p:cNvPr id="7" name="Rectangle 6">
+            <a:extLst>
+              <a:ext uri="{FF2B5EF4-FFF2-40B4-BE49-F238E27FC236}">
+                <a16:creationId xmlns:a16="http://schemas.microsoft.com/office/drawing/2014/main" id="{1C5E13FB-112A-458F-9B70-AF002B077AF5}"/>
+              </a:ext>
+            </a:extLst>
+          </p:cNvPr>
+          <p:cNvSpPr/>
+          <p:nvPr/>
+        </p:nvSpPr>
+        <p:spPr>
+          <a:xfrm>
+            <a:off x="558800" y="8044258"/>
+            <a:ext cx="5006050" cy="369332"/>
+          </a:xfrm>
+          <a:prstGeom prst="rect">
+            <a:avLst/>
+          </a:prstGeom>
+        </p:spPr>
+        <p:txBody>
+          <a:bodyPr wrap="none">
+            <a:spAutoFit/>
+          </a:bodyPr>
+          <a:lstStyle/>
+          <a:p>
+            <a:r>
+              <a:rPr lang="en-US" dirty="0"/>
+              <a:t>** </a:t>
+            </a:r>
+            <a:r>
+              <a:rPr lang="en-US" dirty="0" err="1"/>
+              <a:t>total_runs</a:t>
+            </a:r>
+            <a:r>
+              <a:rPr lang="en-US" dirty="0"/>
+              <a:t> is highly co-related with batsman runs</a:t>
+            </a:r>
+          </a:p>
+        </p:txBody>
+      </p:sp>
     </p:spTree>
     <p:extLst>
       <p:ext uri="{BB962C8B-B14F-4D97-AF65-F5344CB8AC3E}">
-        <p14:creationId xmlns:p14="http://schemas.microsoft.com/office/powerpoint/2010/main" val="2849377936"/>
+        <p14:creationId xmlns:p14="http://schemas.microsoft.com/office/powerpoint/2010/main" val="443649971"/>
       </p:ext>
     </p:extLst>
   </p:cSld>
@@ -7238,61 +7851,14 @@
       </p:grpSpPr>
       <p:sp>
         <p:nvSpPr>
-          <p:cNvPr id="188" name="Marketing Objective"/>
-          <p:cNvSpPr txBox="1">
-            <a:spLocks noGrp="1"/>
-          </p:cNvSpPr>
-          <p:nvPr>
-            <p:ph type="title"/>
-          </p:nvPr>
-        </p:nvSpPr>
-        <p:spPr>
-          <a:prstGeom prst="rect">
-            <a:avLst/>
-          </a:prstGeom>
-        </p:spPr>
-        <p:txBody>
-          <a:bodyPr/>
-          <a:lstStyle>
-            <a:lvl1pPr>
-              <a:defRPr>
-                <a:solidFill>
-                  <a:schemeClr val="accent6">
-                    <a:hueOff val="36663"/>
-                    <a:satOff val="1899"/>
-                    <a:lumOff val="-23748"/>
-                  </a:schemeClr>
-                </a:solidFill>
-                <a:latin typeface="Arial"/>
-                <a:ea typeface="Arial"/>
-                <a:cs typeface="Arial"/>
-                <a:sym typeface="Arial"/>
-              </a:defRPr>
-            </a:lvl1pPr>
-          </a:lstStyle>
-          <a:p>
-            <a:r>
-              <a:rPr dirty="0"/>
-              <a:t>Objective</a:t>
-            </a:r>
-            <a:r>
-              <a:rPr lang="en-US" dirty="0"/>
-              <a:t>s &amp; Graphs</a:t>
-            </a:r>
-            <a:endParaRPr dirty="0"/>
-          </a:p>
-        </p:txBody>
-      </p:sp>
-      <p:sp>
-        <p:nvSpPr>
           <p:cNvPr id="189" name="Tracked in Google Analytics"/>
           <p:cNvSpPr txBox="1"/>
           <p:nvPr/>
         </p:nvSpPr>
         <p:spPr>
           <a:xfrm>
-            <a:off x="4561904" y="2485148"/>
-            <a:ext cx="3880992" cy="447230"/>
+            <a:off x="3454400" y="990600"/>
+            <a:ext cx="5867400" cy="1025922"/>
           </a:xfrm>
           <a:prstGeom prst="rect">
             <a:avLst/>
@@ -7307,7 +7873,7 @@
           </a:extLst>
         </p:spPr>
         <p:txBody>
-          <a:bodyPr wrap="none" lIns="50800" tIns="50800" rIns="50800" bIns="50800" anchor="ctr">
+          <a:bodyPr wrap="square" lIns="50800" tIns="50800" rIns="50800" bIns="50800" anchor="ctr">
             <a:spAutoFit/>
           </a:bodyPr>
           <a:lstStyle>
@@ -7322,40 +7888,128 @@
           </a:lstStyle>
           <a:p>
             <a:r>
-              <a:t>Tracked in Google Analytics</a:t>
-            </a:r>
-          </a:p>
-        </p:txBody>
-      </p:sp>
-      <p:pic>
-        <p:nvPicPr>
-          <p:cNvPr id="190" name="Screen Shot 2017-08-16 at 12.09.39 AM.png" descr="Screen Shot 2017-08-16 at 12.09.39 AM.png"/>
-          <p:cNvPicPr>
-            <a:picLocks noChangeAspect="1"/>
-          </p:cNvPicPr>
-          <p:nvPr/>
-        </p:nvPicPr>
-        <p:blipFill>
-          <a:blip r:embed="rId2">
-            <a:extLst/>
-          </a:blip>
-          <a:stretch>
-            <a:fillRect/>
-          </a:stretch>
-        </p:blipFill>
+              <a:rPr lang="en-US" sz="6000" dirty="0">
+                <a:solidFill>
+                  <a:srgbClr val="002060"/>
+                </a:solidFill>
+              </a:rPr>
+              <a:t>    Preprocess</a:t>
+            </a:r>
+            <a:endParaRPr sz="6000" dirty="0">
+              <a:solidFill>
+                <a:srgbClr val="002060"/>
+              </a:solidFill>
+            </a:endParaRPr>
+          </a:p>
+        </p:txBody>
+      </p:sp>
+      <p:sp>
+        <p:nvSpPr>
+          <p:cNvPr id="7" name="On average, Millennials and Gen. X are not able to afford buying homes in the Bay Area, but need to buy cars to get around.…">
+            <a:extLst>
+              <a:ext uri="{FF2B5EF4-FFF2-40B4-BE49-F238E27FC236}">
+                <a16:creationId xmlns:a16="http://schemas.microsoft.com/office/drawing/2014/main" id="{6410D304-1CB0-4E25-BECA-BBAA1C8F53DE}"/>
+              </a:ext>
+            </a:extLst>
+          </p:cNvPr>
+          <p:cNvSpPr txBox="1">
+            <a:spLocks noGrp="1"/>
+          </p:cNvSpPr>
+          <p:nvPr>
+            <p:ph type="body" idx="1"/>
+          </p:nvPr>
+        </p:nvSpPr>
         <p:spPr>
           <a:xfrm>
-            <a:off x="-1" y="3023341"/>
-            <a:ext cx="13004801" cy="6245352"/>
+            <a:off x="508000" y="2178050"/>
+            <a:ext cx="11988800" cy="6096000"/>
           </a:xfrm>
           <a:prstGeom prst="rect">
             <a:avLst/>
           </a:prstGeom>
-          <a:ln w="12700">
-            <a:miter lim="400000"/>
-          </a:ln>
-        </p:spPr>
-      </p:pic>
+        </p:spPr>
+        <p:txBody>
+          <a:bodyPr/>
+          <a:lstStyle/>
+          <a:p>
+            <a:pPr marL="385318" indent="-385318" defTabSz="479044">
+              <a:spcBef>
+                <a:spcPts val="1900"/>
+              </a:spcBef>
+              <a:defRPr sz="2952"/>
+            </a:pPr>
+            <a:r>
+              <a:rPr lang="en-US" dirty="0"/>
+              <a:t>Dropped duplicate rows in </a:t>
+            </a:r>
+            <a:r>
+              <a:rPr lang="en-US" dirty="0" err="1"/>
+              <a:t>deliveries_data</a:t>
+            </a:r>
+            <a:r>
+              <a:rPr lang="en-US" dirty="0"/>
+              <a:t> </a:t>
+            </a:r>
+          </a:p>
+          <a:p>
+            <a:pPr marL="385318" indent="-385318" defTabSz="479044">
+              <a:spcBef>
+                <a:spcPts val="1900"/>
+              </a:spcBef>
+              <a:defRPr sz="2952"/>
+            </a:pPr>
+            <a:r>
+              <a:rPr lang="en-US" dirty="0"/>
+              <a:t>Dropped ‘umpire3’ column of </a:t>
+            </a:r>
+            <a:r>
+              <a:rPr lang="en-US" dirty="0" err="1"/>
+              <a:t>matches_data</a:t>
+            </a:r>
+            <a:r>
+              <a:rPr lang="en-US" dirty="0"/>
+              <a:t> due to 91.4% missing values</a:t>
+            </a:r>
+          </a:p>
+          <a:p>
+            <a:pPr marL="385318" indent="-385318" defTabSz="479044">
+              <a:spcBef>
+                <a:spcPts val="1900"/>
+              </a:spcBef>
+              <a:defRPr sz="2952"/>
+            </a:pPr>
+            <a:r>
+              <a:rPr lang="en-US" dirty="0"/>
+              <a:t>Did not disturb </a:t>
+            </a:r>
+            <a:r>
+              <a:rPr lang="en-US" dirty="0" err="1"/>
+              <a:t>total_runs</a:t>
+            </a:r>
+            <a:r>
+              <a:rPr lang="en-US" dirty="0"/>
+              <a:t>  although </a:t>
+            </a:r>
+            <a:r>
+              <a:rPr lang="en-US" dirty="0" err="1"/>
+              <a:t>batsman_runs</a:t>
+            </a:r>
+            <a:r>
+              <a:rPr lang="en-US" dirty="0"/>
+              <a:t> is highly co-related with it because this is expected behavior as per domain knowledge.</a:t>
+            </a:r>
+          </a:p>
+          <a:p>
+            <a:pPr marL="385318" indent="-385318" defTabSz="479044">
+              <a:spcBef>
+                <a:spcPts val="1900"/>
+              </a:spcBef>
+              <a:defRPr sz="2952"/>
+            </a:pPr>
+            <a:endParaRPr dirty="0"/>
+          </a:p>
+        </p:txBody>
+      </p:sp>
     </p:spTree>
     <p:extLst>
       <p:ext uri="{BB962C8B-B14F-4D97-AF65-F5344CB8AC3E}">
